--- a/产品发布流程规范.pptx
+++ b/产品发布流程规范.pptx
@@ -6318,7 +6318,15 @@
                   <a:schemeClr val="bg1"/>
                 </a:solidFill>
               </a:rPr>
-              <a:t>方案报告</a:t>
+              <a:t>测试</a:t>
+            </a:r>
+            <a:r>
+              <a:rPr lang="zh-CN" altLang="en-US" sz="900">
+                <a:solidFill>
+                  <a:schemeClr val="bg1"/>
+                </a:solidFill>
+              </a:rPr>
+              <a:t>报告</a:t>
             </a:r>
             <a:endParaRPr lang="zh-CN" altLang="en-US" sz="900">
               <a:solidFill>
@@ -7869,6 +7877,90 @@
             <a:endParaRPr lang="zh-CN" altLang="en-US" sz="900">
               <a:solidFill>
                 <a:srgbClr val="6096E6"/>
+              </a:solidFill>
+            </a:endParaRPr>
+          </a:p>
+        </p:txBody>
+      </p:sp>
+      <p:sp>
+        <p:nvSpPr>
+          <p:cNvPr id="2" name="燕尾形 1"/>
+          <p:cNvSpPr/>
+          <p:nvPr/>
+        </p:nvSpPr>
+        <p:spPr>
+          <a:xfrm rot="5400000">
+            <a:off x="10494010" y="3858895"/>
+            <a:ext cx="683260" cy="314325"/>
+          </a:xfrm>
+          <a:prstGeom prst="chevron">
+            <a:avLst/>
+          </a:prstGeom>
+        </p:spPr>
+        <p:style>
+          <a:lnRef idx="2">
+            <a:schemeClr val="accent1">
+              <a:shade val="50000"/>
+            </a:schemeClr>
+          </a:lnRef>
+          <a:fillRef idx="1">
+            <a:schemeClr val="accent1"/>
+          </a:fillRef>
+          <a:effectRef idx="0">
+            <a:schemeClr val="accent1"/>
+          </a:effectRef>
+          <a:fontRef idx="minor">
+            <a:schemeClr val="lt1"/>
+          </a:fontRef>
+        </p:style>
+        <p:txBody>
+          <a:bodyPr rtlCol="0" anchor="ctr"/>
+          <a:p>
+            <a:pPr algn="ctr"/>
+            <a:endParaRPr lang="zh-CN" altLang="en-US"/>
+          </a:p>
+        </p:txBody>
+      </p:sp>
+      <p:sp>
+        <p:nvSpPr>
+          <p:cNvPr id="3" name="文本框 2"/>
+          <p:cNvSpPr txBox="1"/>
+          <p:nvPr/>
+        </p:nvSpPr>
+        <p:spPr>
+          <a:xfrm>
+            <a:off x="10678795" y="3785870"/>
+            <a:ext cx="321310" cy="548640"/>
+          </a:xfrm>
+          <a:prstGeom prst="rect">
+            <a:avLst/>
+          </a:prstGeom>
+          <a:noFill/>
+        </p:spPr>
+        <p:txBody>
+          <a:bodyPr vert="eaVert" wrap="none" rtlCol="0">
+            <a:spAutoFit/>
+          </a:bodyPr>
+          <a:p>
+            <a:r>
+              <a:rPr lang="zh-CN" altLang="en-US" sz="900">
+                <a:solidFill>
+                  <a:schemeClr val="bg1"/>
+                </a:solidFill>
+              </a:rPr>
+              <a:t>发布</a:t>
+            </a:r>
+            <a:r>
+              <a:rPr lang="zh-CN" altLang="en-US" sz="900">
+                <a:solidFill>
+                  <a:schemeClr val="bg1"/>
+                </a:solidFill>
+              </a:rPr>
+              <a:t>评审</a:t>
+            </a:r>
+            <a:endParaRPr lang="zh-CN" altLang="en-US" sz="900">
+              <a:solidFill>
+                <a:schemeClr val="bg1"/>
               </a:solidFill>
             </a:endParaRPr>
           </a:p>
